--- a/Prezentacija/MuzičkiStudioAkordPrezentacija.pptx
+++ b/Prezentacija/MuzičkiStudioAkordPrezentacija.pptx
@@ -136,10 +136,10 @@
   </p:defaultTextStyle>
   <p:extLst>
     <p:ext uri="{EFAFB233-063F-42B5-8137-9DF3F51BA10A}">
-      <p15:sldGuideLst xmlns:p15="http://schemas.microsoft.com/office/powerpoint/2012/main"/>
+      <p15:sldGuideLst xmlns:p15="http://schemas.microsoft.com/office/powerpoint/2012/main" xmlns=""/>
     </p:ext>
     <p:ext uri="{2D200454-40CA-4A62-9FC3-DE9A4176ACB9}">
-      <p15:notesGuideLst xmlns:p15="http://schemas.microsoft.com/office/powerpoint/2012/main"/>
+      <p15:notesGuideLst xmlns:p15="http://schemas.microsoft.com/office/powerpoint/2012/main" xmlns=""/>
     </p:ext>
   </p:extLst>
 </p:presentation>
@@ -227,7 +227,7 @@
           <a:p>
             <a:fld id="{A86409B0-8AC5-4972-B928-B810ED7C4C64}" type="datetimeFigureOut">
               <a:rPr lang="en-US" smtClean="0"/>
-              <a:t>5/24/2015</a:t>
+              <a:t>5/25/2015</a:t>
             </a:fld>
             <a:endParaRPr lang="en-US"/>
           </a:p>
@@ -392,7 +392,7 @@
           <a:p>
             <a:fld id="{39C9F228-FD28-4486-B12E-CC8CCDA7B98E}" type="datetimeFigureOut">
               <a:rPr lang="en-US" smtClean="0"/>
-              <a:t>5/24/2015</a:t>
+              <a:t>5/25/2015</a:t>
             </a:fld>
             <a:endParaRPr lang="en-US"/>
           </a:p>
@@ -961,7 +961,7 @@
           <a:p>
             <a:fld id="{F077BB9F-04DD-4BEC-B746-E3998C50229B}" type="datetime1">
               <a:rPr lang="en-US" smtClean="0"/>
-              <a:t>5/24/2015</a:t>
+              <a:t>5/25/2015</a:t>
             </a:fld>
             <a:endParaRPr lang="en-US"/>
           </a:p>
@@ -1210,7 +1210,7 @@
           <a:p>
             <a:fld id="{5B784123-CFCC-4353-8B30-DE0CCE4E62CF}" type="datetime1">
               <a:rPr lang="en-US" smtClean="0"/>
-              <a:t>5/24/2015</a:t>
+              <a:t>5/25/2015</a:t>
             </a:fld>
             <a:endParaRPr lang="en-US"/>
           </a:p>
@@ -1392,7 +1392,7 @@
           <a:p>
             <a:fld id="{061C3574-5682-4D4A-B7D7-D09D32527D76}" type="datetime1">
               <a:rPr lang="en-US" smtClean="0"/>
-              <a:t>5/24/2015</a:t>
+              <a:t>5/25/2015</a:t>
             </a:fld>
             <a:endParaRPr lang="en-US"/>
           </a:p>
@@ -2620,7 +2620,7 @@
           <a:p>
             <a:fld id="{3EF55E9A-42F9-486F-9660-92EBA8EB8FE1}" type="datetime1">
               <a:rPr lang="en-US" smtClean="0"/>
-              <a:t>5/24/2015</a:t>
+              <a:t>5/25/2015</a:t>
             </a:fld>
             <a:endParaRPr lang="en-US"/>
           </a:p>
@@ -2994,7 +2994,7 @@
           <a:p>
             <a:fld id="{B7532E85-1C3E-47BF-9080-3288461E28F3}" type="datetime1">
               <a:rPr lang="en-US" smtClean="0"/>
-              <a:t>5/24/2015</a:t>
+              <a:t>5/25/2015</a:t>
             </a:fld>
             <a:endParaRPr lang="en-US"/>
           </a:p>
@@ -3124,7 +3124,7 @@
           <a:p>
             <a:fld id="{A61D36C9-2413-4908-B4FF-B601868ED00B}" type="datetime1">
               <a:rPr lang="en-US" smtClean="0"/>
-              <a:t>5/24/2015</a:t>
+              <a:t>5/25/2015</a:t>
             </a:fld>
             <a:endParaRPr lang="en-US"/>
           </a:p>
@@ -3891,7 +3891,7 @@
           <a:p>
             <a:fld id="{D1A10925-201A-4743-8853-90813EDB94FD}" type="datetime1">
               <a:rPr lang="en-US" smtClean="0"/>
-              <a:t>5/24/2015</a:t>
+              <a:t>5/25/2015</a:t>
             </a:fld>
             <a:endParaRPr lang="en-US"/>
           </a:p>
@@ -4179,7 +4179,7 @@
           <a:p>
             <a:fld id="{8029BC20-88B9-463E-BD09-C473B6CD8F2E}" type="datetime1">
               <a:rPr lang="en-US" smtClean="0"/>
-              <a:t>5/24/2015</a:t>
+              <a:t>5/25/2015</a:t>
             </a:fld>
             <a:endParaRPr lang="en-US"/>
           </a:p>
@@ -5291,7 +5291,7 @@
           <a:p>
             <a:fld id="{FDB05499-8E1A-487C-B00A-20F31C550463}" type="datetime1">
               <a:rPr lang="en-US" smtClean="0"/>
-              <a:t>5/24/2015</a:t>
+              <a:t>5/25/2015</a:t>
             </a:fld>
             <a:endParaRPr lang="en-US"/>
           </a:p>
@@ -5724,7 +5724,7 @@
   </p:txStyles>
   <p:extLst mod="1">
     <p:ext uri="{27BBF7A9-308A-43DC-89C8-2F10F3537804}">
-      <p15:sldGuideLst xmlns:p15="http://schemas.microsoft.com/office/powerpoint/2012/main">
+      <p15:sldGuideLst xmlns:p15="http://schemas.microsoft.com/office/powerpoint/2012/main" xmlns="">
         <p15:guide id="1" orient="horz" pos="2160" userDrawn="1">
           <p15:clr>
             <a:srgbClr val="F26B43"/>
@@ -5967,13 +5967,13 @@
   <p:clrMapOvr>
     <a:masterClrMapping/>
   </p:clrMapOvr>
-  <mc:AlternateContent xmlns:mc="http://schemas.openxmlformats.org/markup-compatibility/2006">
-    <mc:Choice xmlns:p14="http://schemas.microsoft.com/office/powerpoint/2010/main" Requires="p14">
+  <mc:AlternateContent xmlns:mc="http://schemas.openxmlformats.org/markup-compatibility/2006" xmlns:p14="http://schemas.microsoft.com/office/powerpoint/2010/main">
+    <mc:Choice Requires="p14">
       <p:transition spd="med" p14:dur="700">
         <p:fade/>
       </p:transition>
     </mc:Choice>
-    <mc:Fallback>
+    <mc:Fallback xmlns="">
       <p:transition spd="med">
         <p:fade/>
       </p:transition>
@@ -6076,13 +6076,13 @@
   <p:clrMapOvr>
     <a:masterClrMapping/>
   </p:clrMapOvr>
-  <mc:AlternateContent xmlns:mc="http://schemas.openxmlformats.org/markup-compatibility/2006">
-    <mc:Choice xmlns:p14="http://schemas.microsoft.com/office/powerpoint/2010/main" Requires="p14">
+  <mc:AlternateContent xmlns:mc="http://schemas.openxmlformats.org/markup-compatibility/2006" xmlns:p14="http://schemas.microsoft.com/office/powerpoint/2010/main">
+    <mc:Choice Requires="p14">
       <p:transition spd="med" p14:dur="700">
         <p:fade/>
       </p:transition>
     </mc:Choice>
-    <mc:Fallback>
+    <mc:Fallback xmlns="">
       <p:transition spd="med">
         <p:fade/>
       </p:transition>
@@ -6181,13 +6181,13 @@
   <p:clrMapOvr>
     <a:masterClrMapping/>
   </p:clrMapOvr>
-  <mc:AlternateContent xmlns:mc="http://schemas.openxmlformats.org/markup-compatibility/2006">
-    <mc:Choice xmlns:p14="http://schemas.microsoft.com/office/powerpoint/2010/main" Requires="p14">
+  <mc:AlternateContent xmlns:mc="http://schemas.openxmlformats.org/markup-compatibility/2006" xmlns:p14="http://schemas.microsoft.com/office/powerpoint/2010/main">
+    <mc:Choice Requires="p14">
       <p:transition spd="med" p14:dur="700">
         <p:fade/>
       </p:transition>
     </mc:Choice>
-    <mc:Fallback>
+    <mc:Fallback xmlns="">
       <p:transition spd="med">
         <p:fade/>
       </p:transition>
@@ -6313,13 +6313,13 @@
   <p:clrMapOvr>
     <a:masterClrMapping/>
   </p:clrMapOvr>
-  <mc:AlternateContent xmlns:mc="http://schemas.openxmlformats.org/markup-compatibility/2006">
-    <mc:Choice xmlns:p14="http://schemas.microsoft.com/office/powerpoint/2010/main" Requires="p14">
+  <mc:AlternateContent xmlns:mc="http://schemas.openxmlformats.org/markup-compatibility/2006" xmlns:p14="http://schemas.microsoft.com/office/powerpoint/2010/main">
+    <mc:Choice Requires="p14">
       <p:transition spd="med" p14:dur="700">
         <p:fade/>
       </p:transition>
     </mc:Choice>
-    <mc:Fallback>
+    <mc:Fallback xmlns="">
       <p:transition spd="med">
         <p:fade/>
       </p:transition>
@@ -6403,7 +6403,6 @@
               <a:rPr lang="bs-Latn-BA" dirty="0" smtClean="0"/>
               <a:t>Unity</a:t>
             </a:r>
-            <a:endParaRPr lang="bs-Latn-BA" dirty="0" smtClean="0"/>
           </a:p>
         </p:txBody>
       </p:sp>
@@ -6417,13 +6416,13 @@
   <p:clrMapOvr>
     <a:masterClrMapping/>
   </p:clrMapOvr>
-  <mc:AlternateContent xmlns:mc="http://schemas.openxmlformats.org/markup-compatibility/2006">
-    <mc:Choice xmlns:p14="http://schemas.microsoft.com/office/powerpoint/2010/main" Requires="p14">
+  <mc:AlternateContent xmlns:mc="http://schemas.openxmlformats.org/markup-compatibility/2006" xmlns:p14="http://schemas.microsoft.com/office/powerpoint/2010/main">
+    <mc:Choice Requires="p14">
       <p:transition spd="med" p14:dur="700">
         <p:fade/>
       </p:transition>
     </mc:Choice>
-    <mc:Fallback>
+    <mc:Fallback xmlns="">
       <p:transition spd="med">
         <p:fade/>
       </p:transition>
@@ -6541,13 +6540,13 @@
   <p:clrMapOvr>
     <a:masterClrMapping/>
   </p:clrMapOvr>
-  <mc:AlternateContent xmlns:mc="http://schemas.openxmlformats.org/markup-compatibility/2006">
-    <mc:Choice xmlns:p14="http://schemas.microsoft.com/office/powerpoint/2010/main" Requires="p14">
+  <mc:AlternateContent xmlns:mc="http://schemas.openxmlformats.org/markup-compatibility/2006" xmlns:p14="http://schemas.microsoft.com/office/powerpoint/2010/main">
+    <mc:Choice Requires="p14">
       <p:transition spd="med" p14:dur="700">
         <p:fade/>
       </p:transition>
     </mc:Choice>
-    <mc:Fallback>
+    <mc:Fallback xmlns="">
       <p:transition spd="med">
         <p:fade/>
       </p:transition>
@@ -6673,13 +6672,13 @@
   <p:clrMapOvr>
     <a:masterClrMapping/>
   </p:clrMapOvr>
-  <mc:AlternateContent xmlns:mc="http://schemas.openxmlformats.org/markup-compatibility/2006">
-    <mc:Choice xmlns:p14="http://schemas.microsoft.com/office/powerpoint/2010/main" Requires="p14">
+  <mc:AlternateContent xmlns:mc="http://schemas.openxmlformats.org/markup-compatibility/2006" xmlns:p14="http://schemas.microsoft.com/office/powerpoint/2010/main">
+    <mc:Choice Requires="p14">
       <p:transition spd="med" p14:dur="700">
         <p:fade/>
       </p:transition>
     </mc:Choice>
-    <mc:Fallback>
+    <mc:Fallback xmlns="">
       <p:transition spd="med">
         <p:fade/>
       </p:transition>
@@ -6805,13 +6804,13 @@
   <p:clrMapOvr>
     <a:masterClrMapping/>
   </p:clrMapOvr>
-  <mc:AlternateContent xmlns:mc="http://schemas.openxmlformats.org/markup-compatibility/2006">
-    <mc:Choice xmlns:p14="http://schemas.microsoft.com/office/powerpoint/2010/main" Requires="p14">
+  <mc:AlternateContent xmlns:mc="http://schemas.openxmlformats.org/markup-compatibility/2006" xmlns:p14="http://schemas.microsoft.com/office/powerpoint/2010/main">
+    <mc:Choice Requires="p14">
       <p:transition spd="med" p14:dur="700">
         <p:fade/>
       </p:transition>
     </mc:Choice>
-    <mc:Fallback>
+    <mc:Fallback xmlns="">
       <p:transition spd="med">
         <p:fade/>
       </p:transition>
@@ -6937,13 +6936,13 @@
   <p:clrMapOvr>
     <a:masterClrMapping/>
   </p:clrMapOvr>
-  <mc:AlternateContent xmlns:mc="http://schemas.openxmlformats.org/markup-compatibility/2006">
-    <mc:Choice xmlns:p14="http://schemas.microsoft.com/office/powerpoint/2010/main" Requires="p14">
+  <mc:AlternateContent xmlns:mc="http://schemas.openxmlformats.org/markup-compatibility/2006" xmlns:p14="http://schemas.microsoft.com/office/powerpoint/2010/main">
+    <mc:Choice Requires="p14">
       <p:transition spd="med" p14:dur="700">
         <p:fade/>
       </p:transition>
     </mc:Choice>
-    <mc:Fallback>
+    <mc:Fallback xmlns="">
       <p:transition spd="med">
         <p:fade/>
       </p:transition>
@@ -7040,13 +7039,13 @@
   <p:clrMapOvr>
     <a:masterClrMapping/>
   </p:clrMapOvr>
-  <mc:AlternateContent xmlns:mc="http://schemas.openxmlformats.org/markup-compatibility/2006">
-    <mc:Choice xmlns:p14="http://schemas.microsoft.com/office/powerpoint/2010/main" Requires="p14">
+  <mc:AlternateContent xmlns:mc="http://schemas.openxmlformats.org/markup-compatibility/2006" xmlns:p14="http://schemas.microsoft.com/office/powerpoint/2010/main">
+    <mc:Choice Requires="p14">
       <p:transition spd="med" p14:dur="700">
         <p:fade/>
       </p:transition>
     </mc:Choice>
-    <mc:Fallback>
+    <mc:Fallback xmlns="">
       <p:transition spd="med">
         <p:fade/>
       </p:transition>
@@ -7573,13 +7572,13 @@
   <p:clrMapOvr>
     <a:masterClrMapping/>
   </p:clrMapOvr>
-  <mc:AlternateContent xmlns:mc="http://schemas.openxmlformats.org/markup-compatibility/2006">
-    <mc:Choice xmlns:p14="http://schemas.microsoft.com/office/powerpoint/2010/main" Requires="p14">
+  <mc:AlternateContent xmlns:mc="http://schemas.openxmlformats.org/markup-compatibility/2006" xmlns:p14="http://schemas.microsoft.com/office/powerpoint/2010/main">
+    <mc:Choice Requires="p14">
       <p:transition spd="med" p14:dur="700">
         <p:fade/>
       </p:transition>
     </mc:Choice>
-    <mc:Fallback>
+    <mc:Fallback xmlns="">
       <p:transition spd="med">
         <p:fade/>
       </p:transition>
@@ -7705,13 +7704,13 @@
   <p:clrMapOvr>
     <a:masterClrMapping/>
   </p:clrMapOvr>
-  <mc:AlternateContent xmlns:mc="http://schemas.openxmlformats.org/markup-compatibility/2006">
-    <mc:Choice xmlns:p14="http://schemas.microsoft.com/office/powerpoint/2010/main" Requires="p14">
+  <mc:AlternateContent xmlns:mc="http://schemas.openxmlformats.org/markup-compatibility/2006" xmlns:p14="http://schemas.microsoft.com/office/powerpoint/2010/main">
+    <mc:Choice Requires="p14">
       <p:transition spd="med" p14:dur="700">
         <p:fade/>
       </p:transition>
     </mc:Choice>
-    <mc:Fallback>
+    <mc:Fallback xmlns="">
       <p:transition spd="med">
         <p:fade/>
       </p:transition>
@@ -7765,8 +7764,8 @@
           <a:lstStyle/>
           <a:p>
             <a:r>
-              <a:rPr lang="bs-Latn-BA" dirty="0" smtClean="0"/>
-              <a:t>Preglednik</a:t>
+              <a:rPr lang="en-US" dirty="0" err="1" smtClean="0"/>
+              <a:t>Specifikacije</a:t>
             </a:r>
             <a:endParaRPr lang="en-US" dirty="0"/>
           </a:p>
@@ -7837,13 +7836,13 @@
   <p:clrMapOvr>
     <a:masterClrMapping/>
   </p:clrMapOvr>
-  <mc:AlternateContent xmlns:mc="http://schemas.openxmlformats.org/markup-compatibility/2006">
-    <mc:Choice xmlns:p14="http://schemas.microsoft.com/office/powerpoint/2010/main" Requires="p14">
+  <mc:AlternateContent xmlns:mc="http://schemas.openxmlformats.org/markup-compatibility/2006" xmlns:p14="http://schemas.microsoft.com/office/powerpoint/2010/main">
+    <mc:Choice Requires="p14">
       <p:transition spd="med" p14:dur="700">
         <p:fade/>
       </p:transition>
     </mc:Choice>
-    <mc:Fallback>
+    <mc:Fallback xmlns="">
       <p:transition spd="med">
         <p:fade/>
       </p:transition>
@@ -7927,7 +7926,6 @@
               <a:rPr lang="bs-Latn-BA" dirty="0" smtClean="0"/>
               <a:t>Štampač</a:t>
             </a:r>
-            <a:endParaRPr lang="bs-Latn-BA" dirty="0" smtClean="0"/>
           </a:p>
         </p:txBody>
       </p:sp>
@@ -7941,13 +7939,13 @@
   <p:clrMapOvr>
     <a:masterClrMapping/>
   </p:clrMapOvr>
-  <mc:AlternateContent xmlns:mc="http://schemas.openxmlformats.org/markup-compatibility/2006">
-    <mc:Choice xmlns:p14="http://schemas.microsoft.com/office/powerpoint/2010/main" Requires="p14">
+  <mc:AlternateContent xmlns:mc="http://schemas.openxmlformats.org/markup-compatibility/2006" xmlns:p14="http://schemas.microsoft.com/office/powerpoint/2010/main">
+    <mc:Choice Requires="p14">
       <p:transition spd="med" p14:dur="700">
         <p:fade/>
       </p:transition>
     </mc:Choice>
-    <mc:Fallback>
+    <mc:Fallback xmlns="">
       <p:transition spd="med">
         <p:fade/>
       </p:transition>
@@ -8073,13 +8071,13 @@
   <p:clrMapOvr>
     <a:masterClrMapping/>
   </p:clrMapOvr>
-  <mc:AlternateContent xmlns:mc="http://schemas.openxmlformats.org/markup-compatibility/2006">
-    <mc:Choice xmlns:p14="http://schemas.microsoft.com/office/powerpoint/2010/main" Requires="p14">
+  <mc:AlternateContent xmlns:mc="http://schemas.openxmlformats.org/markup-compatibility/2006" xmlns:p14="http://schemas.microsoft.com/office/powerpoint/2010/main">
+    <mc:Choice Requires="p14">
       <p:transition spd="med" p14:dur="700">
         <p:fade/>
       </p:transition>
     </mc:Choice>
-    <mc:Fallback>
+    <mc:Fallback xmlns="">
       <p:transition spd="med">
         <p:fade/>
       </p:transition>
@@ -8382,13 +8380,13 @@
   <p:clrMapOvr>
     <a:masterClrMapping/>
   </p:clrMapOvr>
-  <mc:AlternateContent xmlns:mc="http://schemas.openxmlformats.org/markup-compatibility/2006">
-    <mc:Choice xmlns:p14="http://schemas.microsoft.com/office/powerpoint/2010/main" Requires="p14">
+  <mc:AlternateContent xmlns:mc="http://schemas.openxmlformats.org/markup-compatibility/2006" xmlns:p14="http://schemas.microsoft.com/office/powerpoint/2010/main">
+    <mc:Choice Requires="p14">
       <p:transition spd="med" p14:dur="700">
         <p:fade/>
       </p:transition>
     </mc:Choice>
-    <mc:Fallback>
+    <mc:Fallback xmlns="">
       <p:transition spd="med">
         <p:fade/>
       </p:transition>
@@ -8508,13 +8506,13 @@
   <p:clrMapOvr>
     <a:masterClrMapping/>
   </p:clrMapOvr>
-  <mc:AlternateContent xmlns:mc="http://schemas.openxmlformats.org/markup-compatibility/2006">
-    <mc:Choice xmlns:p14="http://schemas.microsoft.com/office/powerpoint/2010/main" Requires="p14">
+  <mc:AlternateContent xmlns:mc="http://schemas.openxmlformats.org/markup-compatibility/2006" xmlns:p14="http://schemas.microsoft.com/office/powerpoint/2010/main">
+    <mc:Choice Requires="p14">
       <p:transition spd="med" p14:dur="700">
         <p:fade/>
       </p:transition>
     </mc:Choice>
-    <mc:Fallback>
+    <mc:Fallback xmlns="">
       <p:transition spd="med">
         <p:fade/>
       </p:transition>
@@ -8598,7 +8596,6 @@
               <a:rPr lang="bs-Latn-BA" dirty="0" smtClean="0"/>
               <a:t>MuzičkiStudioAkord</a:t>
             </a:r>
-            <a:endParaRPr lang="bs-Latn-BA" dirty="0" smtClean="0"/>
           </a:p>
         </p:txBody>
       </p:sp>
@@ -8612,13 +8609,13 @@
   <p:clrMapOvr>
     <a:masterClrMapping/>
   </p:clrMapOvr>
-  <mc:AlternateContent xmlns:mc="http://schemas.openxmlformats.org/markup-compatibility/2006">
-    <mc:Choice xmlns:p14="http://schemas.microsoft.com/office/powerpoint/2010/main" Requires="p14">
+  <mc:AlternateContent xmlns:mc="http://schemas.openxmlformats.org/markup-compatibility/2006" xmlns:p14="http://schemas.microsoft.com/office/powerpoint/2010/main">
+    <mc:Choice Requires="p14">
       <p:transition spd="med" p14:dur="700">
         <p:fade/>
       </p:transition>
     </mc:Choice>
-    <mc:Fallback>
+    <mc:Fallback xmlns="">
       <p:transition spd="med">
         <p:fade/>
       </p:transition>
@@ -8805,11 +8802,7 @@
           <a:p>
             <a:r>
               <a:rPr lang="bs-Latn-BA" dirty="0" smtClean="0"/>
-              <a:t>Activity </a:t>
-            </a:r>
-            <a:r>
-              <a:rPr lang="bs-Latn-BA" dirty="0" smtClean="0"/>
-              <a:t>Diagram</a:t>
+              <a:t>Activity Diagram</a:t>
             </a:r>
             <a:endParaRPr lang="en-US" dirty="0"/>
           </a:p>
@@ -8880,13 +8873,13 @@
   <p:clrMapOvr>
     <a:masterClrMapping/>
   </p:clrMapOvr>
-  <mc:AlternateContent xmlns:mc="http://schemas.openxmlformats.org/markup-compatibility/2006">
-    <mc:Choice xmlns:p14="http://schemas.microsoft.com/office/powerpoint/2010/main" Requires="p14">
+  <mc:AlternateContent xmlns:mc="http://schemas.openxmlformats.org/markup-compatibility/2006" xmlns:p14="http://schemas.microsoft.com/office/powerpoint/2010/main">
+    <mc:Choice Requires="p14">
       <p:transition spd="med" p14:dur="700">
         <p:fade/>
       </p:transition>
     </mc:Choice>
-    <mc:Fallback>
+    <mc:Fallback xmlns="">
       <p:transition spd="med">
         <p:fade/>
       </p:transition>
@@ -8941,11 +8934,7 @@
           <a:p>
             <a:r>
               <a:rPr lang="bs-Latn-BA" dirty="0" smtClean="0"/>
-              <a:t>Activity </a:t>
-            </a:r>
-            <a:r>
-              <a:rPr lang="bs-Latn-BA" dirty="0" smtClean="0"/>
-              <a:t>Diagram 2</a:t>
+              <a:t>Activity Diagram 2</a:t>
             </a:r>
             <a:endParaRPr lang="en-US" dirty="0"/>
           </a:p>
@@ -9016,13 +9005,13 @@
   <p:clrMapOvr>
     <a:masterClrMapping/>
   </p:clrMapOvr>
-  <mc:AlternateContent xmlns:mc="http://schemas.openxmlformats.org/markup-compatibility/2006">
-    <mc:Choice xmlns:p14="http://schemas.microsoft.com/office/powerpoint/2010/main" Requires="p14">
+  <mc:AlternateContent xmlns:mc="http://schemas.openxmlformats.org/markup-compatibility/2006" xmlns:p14="http://schemas.microsoft.com/office/powerpoint/2010/main">
+    <mc:Choice Requires="p14">
       <p:transition spd="med" p14:dur="700">
         <p:fade/>
       </p:transition>
     </mc:Choice>
-    <mc:Fallback>
+    <mc:Fallback xmlns="">
       <p:transition spd="med">
         <p:fade/>
       </p:transition>
@@ -9077,11 +9066,7 @@
           <a:p>
             <a:r>
               <a:rPr lang="bs-Latn-BA" dirty="0" smtClean="0"/>
-              <a:t>Class Diagram </a:t>
-            </a:r>
-            <a:r>
-              <a:rPr lang="bs-Latn-BA" dirty="0" smtClean="0"/>
-              <a:t>- MVVM</a:t>
+              <a:t>Class Diagram - MVVM</a:t>
             </a:r>
             <a:endParaRPr lang="en-US" dirty="0"/>
           </a:p>
@@ -9152,13 +9137,13 @@
   <p:clrMapOvr>
     <a:masterClrMapping/>
   </p:clrMapOvr>
-  <mc:AlternateContent xmlns:mc="http://schemas.openxmlformats.org/markup-compatibility/2006">
-    <mc:Choice xmlns:p14="http://schemas.microsoft.com/office/powerpoint/2010/main" Requires="p14">
+  <mc:AlternateContent xmlns:mc="http://schemas.openxmlformats.org/markup-compatibility/2006" xmlns:p14="http://schemas.microsoft.com/office/powerpoint/2010/main">
+    <mc:Choice Requires="p14">
       <p:transition spd="med" p14:dur="700">
         <p:fade/>
       </p:transition>
     </mc:Choice>
-    <mc:Fallback>
+    <mc:Fallback xmlns="">
       <p:transition spd="med">
         <p:fade/>
       </p:transition>
@@ -9369,7 +9354,7 @@
   <a:extraClrSchemeLst/>
   <a:extLst>
     <a:ext uri="{05A4C25C-085E-4340-85A3-A5531E510DB2}">
-      <thm15:themeFamily xmlns:thm15="http://schemas.microsoft.com/office/thememl/2012/main" name="Music Score_16x9.potx" id="{6ADF3BEB-29B7-4B59-868B-CC2D2045A513}" vid="{1320CC86-6327-42C4-8685-C8BBB762A9AB}"/>
+      <thm15:themeFamily xmlns:thm15="http://schemas.microsoft.com/office/thememl/2012/main" xmlns="" name="Music Score_16x9.potx" id="{6ADF3BEB-29B7-4B59-868B-CC2D2045A513}" vid="{1320CC86-6327-42C4-8685-C8BBB762A9AB}"/>
     </a:ext>
   </a:extLst>
 </a:theme>
@@ -9570,7 +9555,7 @@
   <a:extraClrSchemeLst/>
   <a:extLst>
     <a:ext uri="{05A4C25C-085E-4340-85A3-A5531E510DB2}">
-      <thm15:themeFamily xmlns:thm15="http://schemas.microsoft.com/office/thememl/2012/main" name="Office Theme" id="{62F939B6-93AF-4DB8-9C6B-D6C7DFDC589F}" vid="{4A3C46E8-61CC-4603-A589-7422A47A8E4A}"/>
+      <thm15:themeFamily xmlns:thm15="http://schemas.microsoft.com/office/thememl/2012/main" xmlns="" name="Office Theme" id="{62F939B6-93AF-4DB8-9C6B-D6C7DFDC589F}" vid="{4A3C46E8-61CC-4603-A589-7422A47A8E4A}"/>
     </a:ext>
   </a:extLst>
 </a:theme>
@@ -9771,7 +9756,7 @@
   <a:extraClrSchemeLst/>
   <a:extLst>
     <a:ext uri="{05A4C25C-085E-4340-85A3-A5531E510DB2}">
-      <thm15:themeFamily xmlns:thm15="http://schemas.microsoft.com/office/thememl/2012/main" name="Office Theme" id="{62F939B6-93AF-4DB8-9C6B-D6C7DFDC589F}" vid="{4A3C46E8-61CC-4603-A589-7422A47A8E4A}"/>
+      <thm15:themeFamily xmlns:thm15="http://schemas.microsoft.com/office/thememl/2012/main" xmlns="" name="Office Theme" id="{62F939B6-93AF-4DB8-9C6B-D6C7DFDC589F}" vid="{4A3C46E8-61CC-4603-A589-7422A47A8E4A}"/>
     </a:ext>
   </a:extLst>
 </a:theme>

--- a/Prezentacija/MuzičkiStudioAkordPrezentacija.pptx
+++ b/Prezentacija/MuzičkiStudioAkordPrezentacija.pptx
@@ -136,10 +136,21 @@
   </p:defaultTextStyle>
   <p:extLst>
     <p:ext uri="{EFAFB233-063F-42B5-8137-9DF3F51BA10A}">
-      <p15:sldGuideLst xmlns:p15="http://schemas.microsoft.com/office/powerpoint/2012/main" xmlns=""/>
+      <p15:sldGuideLst xmlns:p15="http://schemas.microsoft.com/office/powerpoint/2012/main">
+        <p15:guide id="1" orient="horz" pos="2160">
+          <p15:clr>
+            <a:srgbClr val="A4A3A4"/>
+          </p15:clr>
+        </p15:guide>
+        <p15:guide id="2" pos="3840">
+          <p15:clr>
+            <a:srgbClr val="A4A3A4"/>
+          </p15:clr>
+        </p15:guide>
+      </p15:sldGuideLst>
     </p:ext>
     <p:ext uri="{2D200454-40CA-4A62-9FC3-DE9A4176ACB9}">
-      <p15:notesGuideLst xmlns:p15="http://schemas.microsoft.com/office/powerpoint/2012/main" xmlns=""/>
+      <p15:notesGuideLst xmlns:p15="http://schemas.microsoft.com/office/powerpoint/2012/main"/>
     </p:ext>
   </p:extLst>
 </p:presentation>
@@ -5724,7 +5735,7 @@
   </p:txStyles>
   <p:extLst mod="1">
     <p:ext uri="{27BBF7A9-308A-43DC-89C8-2F10F3537804}">
-      <p15:sldGuideLst xmlns:p15="http://schemas.microsoft.com/office/powerpoint/2012/main" xmlns="">
+      <p15:sldGuideLst xmlns:p15="http://schemas.microsoft.com/office/powerpoint/2012/main">
         <p15:guide id="1" orient="horz" pos="2160" userDrawn="1">
           <p15:clr>
             <a:srgbClr val="F26B43"/>
@@ -7999,8 +8010,8 @@
           <a:lstStyle/>
           <a:p>
             <a:r>
-              <a:rPr lang="bs-Latn-BA" dirty="0" smtClean="0"/>
-              <a:t>Štampač</a:t>
+              <a:rPr lang="bs-Latn-BA" dirty="0"/>
+              <a:t>Microphone</a:t>
             </a:r>
             <a:endParaRPr lang="en-US" dirty="0"/>
           </a:p>
@@ -8008,7 +8019,7 @@
       </p:sp>
       <p:pic>
         <p:nvPicPr>
-          <p:cNvPr id="4" name="Picture Placeholder 3"/>
+          <p:cNvPr id="5" name="Picture Placeholder 4"/>
           <p:cNvPicPr>
             <a:picLocks noGrp="1" noChangeAspect="1"/>
           </p:cNvPicPr>
@@ -8016,7 +8027,7 @@
             <p:ph type="pic" idx="1"/>
           </p:nvPr>
         </p:nvPicPr>
-        <p:blipFill rotWithShape="1">
+        <p:blipFill>
           <a:blip r:embed="rId2">
             <a:extLst>
               <a:ext uri="{28A0092B-C50C-407E-A947-70E740481C1C}">
@@ -8024,41 +8035,16 @@
               </a:ext>
             </a:extLst>
           </a:blip>
-          <a:srcRect l="-301" r="-371"/>
-          <a:stretch/>
+          <a:srcRect l="13856" r="13856"/>
+          <a:stretch>
+            <a:fillRect/>
+          </a:stretch>
         </p:blipFill>
         <p:spPr>
-          <a:xfrm>
-            <a:off x="2846231" y="198121"/>
-            <a:ext cx="7675809" cy="6037722"/>
+          <a:xfrm rot="944540">
+            <a:off x="5105400" y="915214"/>
+            <a:ext cx="5715000" cy="5260206"/>
           </a:xfrm>
-          <a:prstGeom prst="roundRect">
-            <a:avLst>
-              <a:gd name="adj" fmla="val 16667"/>
-            </a:avLst>
-          </a:prstGeom>
-          <a:ln>
-            <a:noFill/>
-          </a:ln>
-          <a:effectLst>
-            <a:outerShdw blurRad="152400" dist="12000" dir="900000" sy="98000" kx="110000" ky="200000" algn="tl" rotWithShape="0">
-              <a:srgbClr val="000000">
-                <a:alpha val="30000"/>
-              </a:srgbClr>
-            </a:outerShdw>
-          </a:effectLst>
-          <a:scene3d>
-            <a:camera prst="perspectiveRelaxed">
-              <a:rot lat="19800000" lon="1200000" rev="20820000"/>
-            </a:camera>
-            <a:lightRig rig="threePt" dir="t"/>
-          </a:scene3d>
-          <a:sp3d contourW="6350" prstMaterial="matte">
-            <a:bevelT w="101600" h="101600"/>
-            <a:contourClr>
-              <a:srgbClr val="969696"/>
-            </a:contourClr>
-          </a:sp3d>
         </p:spPr>
       </p:pic>
     </p:spTree>
@@ -9354,7 +9340,7 @@
   <a:extraClrSchemeLst/>
   <a:extLst>
     <a:ext uri="{05A4C25C-085E-4340-85A3-A5531E510DB2}">
-      <thm15:themeFamily xmlns:thm15="http://schemas.microsoft.com/office/thememl/2012/main" xmlns="" name="Music Score_16x9.potx" id="{6ADF3BEB-29B7-4B59-868B-CC2D2045A513}" vid="{1320CC86-6327-42C4-8685-C8BBB762A9AB}"/>
+      <thm15:themeFamily xmlns:thm15="http://schemas.microsoft.com/office/thememl/2012/main" name="Music Score_16x9.potx" id="{6ADF3BEB-29B7-4B59-868B-CC2D2045A513}" vid="{1320CC86-6327-42C4-8685-C8BBB762A9AB}"/>
     </a:ext>
   </a:extLst>
 </a:theme>
@@ -9555,7 +9541,7 @@
   <a:extraClrSchemeLst/>
   <a:extLst>
     <a:ext uri="{05A4C25C-085E-4340-85A3-A5531E510DB2}">
-      <thm15:themeFamily xmlns:thm15="http://schemas.microsoft.com/office/thememl/2012/main" xmlns="" name="Office Theme" id="{62F939B6-93AF-4DB8-9C6B-D6C7DFDC589F}" vid="{4A3C46E8-61CC-4603-A589-7422A47A8E4A}"/>
+      <thm15:themeFamily xmlns:thm15="http://schemas.microsoft.com/office/thememl/2012/main" name="Office Theme" id="{62F939B6-93AF-4DB8-9C6B-D6C7DFDC589F}" vid="{4A3C46E8-61CC-4603-A589-7422A47A8E4A}"/>
     </a:ext>
   </a:extLst>
 </a:theme>
@@ -9756,7 +9742,7 @@
   <a:extraClrSchemeLst/>
   <a:extLst>
     <a:ext uri="{05A4C25C-085E-4340-85A3-A5531E510DB2}">
-      <thm15:themeFamily xmlns:thm15="http://schemas.microsoft.com/office/thememl/2012/main" xmlns="" name="Office Theme" id="{62F939B6-93AF-4DB8-9C6B-D6C7DFDC589F}" vid="{4A3C46E8-61CC-4603-A589-7422A47A8E4A}"/>
+      <thm15:themeFamily xmlns:thm15="http://schemas.microsoft.com/office/thememl/2012/main" name="Office Theme" id="{62F939B6-93AF-4DB8-9C6B-D6C7DFDC589F}" vid="{4A3C46E8-61CC-4603-A589-7422A47A8E4A}"/>
     </a:ext>
   </a:extLst>
 </a:theme>

--- a/Prezentacija/MuzičkiStudioAkordPrezentacija.pptx
+++ b/Prezentacija/MuzičkiStudioAkordPrezentacija.pptx
@@ -238,7 +238,7 @@
           <a:p>
             <a:fld id="{A86409B0-8AC5-4972-B928-B810ED7C4C64}" type="datetimeFigureOut">
               <a:rPr lang="en-US" smtClean="0"/>
-              <a:t>5/25/2015</a:t>
+              <a:t>5/26/2015</a:t>
             </a:fld>
             <a:endParaRPr lang="en-US"/>
           </a:p>
@@ -403,7 +403,7 @@
           <a:p>
             <a:fld id="{39C9F228-FD28-4486-B12E-CC8CCDA7B98E}" type="datetimeFigureOut">
               <a:rPr lang="en-US" smtClean="0"/>
-              <a:t>5/25/2015</a:t>
+              <a:t>5/26/2015</a:t>
             </a:fld>
             <a:endParaRPr lang="en-US"/>
           </a:p>
@@ -972,7 +972,7 @@
           <a:p>
             <a:fld id="{F077BB9F-04DD-4BEC-B746-E3998C50229B}" type="datetime1">
               <a:rPr lang="en-US" smtClean="0"/>
-              <a:t>5/25/2015</a:t>
+              <a:t>5/26/2015</a:t>
             </a:fld>
             <a:endParaRPr lang="en-US"/>
           </a:p>
@@ -1221,7 +1221,7 @@
           <a:p>
             <a:fld id="{5B784123-CFCC-4353-8B30-DE0CCE4E62CF}" type="datetime1">
               <a:rPr lang="en-US" smtClean="0"/>
-              <a:t>5/25/2015</a:t>
+              <a:t>5/26/2015</a:t>
             </a:fld>
             <a:endParaRPr lang="en-US"/>
           </a:p>
@@ -1403,7 +1403,7 @@
           <a:p>
             <a:fld id="{061C3574-5682-4D4A-B7D7-D09D32527D76}" type="datetime1">
               <a:rPr lang="en-US" smtClean="0"/>
-              <a:t>5/25/2015</a:t>
+              <a:t>5/26/2015</a:t>
             </a:fld>
             <a:endParaRPr lang="en-US"/>
           </a:p>
@@ -2631,7 +2631,7 @@
           <a:p>
             <a:fld id="{3EF55E9A-42F9-486F-9660-92EBA8EB8FE1}" type="datetime1">
               <a:rPr lang="en-US" smtClean="0"/>
-              <a:t>5/25/2015</a:t>
+              <a:t>5/26/2015</a:t>
             </a:fld>
             <a:endParaRPr lang="en-US"/>
           </a:p>
@@ -3005,7 +3005,7 @@
           <a:p>
             <a:fld id="{B7532E85-1C3E-47BF-9080-3288461E28F3}" type="datetime1">
               <a:rPr lang="en-US" smtClean="0"/>
-              <a:t>5/25/2015</a:t>
+              <a:t>5/26/2015</a:t>
             </a:fld>
             <a:endParaRPr lang="en-US"/>
           </a:p>
@@ -3135,7 +3135,7 @@
           <a:p>
             <a:fld id="{A61D36C9-2413-4908-B4FF-B601868ED00B}" type="datetime1">
               <a:rPr lang="en-US" smtClean="0"/>
-              <a:t>5/25/2015</a:t>
+              <a:t>5/26/2015</a:t>
             </a:fld>
             <a:endParaRPr lang="en-US"/>
           </a:p>
@@ -3902,7 +3902,7 @@
           <a:p>
             <a:fld id="{D1A10925-201A-4743-8853-90813EDB94FD}" type="datetime1">
               <a:rPr lang="en-US" smtClean="0"/>
-              <a:t>5/25/2015</a:t>
+              <a:t>5/26/2015</a:t>
             </a:fld>
             <a:endParaRPr lang="en-US"/>
           </a:p>
@@ -4190,7 +4190,7 @@
           <a:p>
             <a:fld id="{8029BC20-88B9-463E-BD09-C473B6CD8F2E}" type="datetime1">
               <a:rPr lang="en-US" smtClean="0"/>
-              <a:t>5/25/2015</a:t>
+              <a:t>5/26/2015</a:t>
             </a:fld>
             <a:endParaRPr lang="en-US"/>
           </a:p>
@@ -5302,7 +5302,7 @@
           <a:p>
             <a:fld id="{FDB05499-8E1A-487C-B00A-20F31C550463}" type="datetime1">
               <a:rPr lang="en-US" smtClean="0"/>
-              <a:t>5/25/2015</a:t>
+              <a:t>5/26/2015</a:t>
             </a:fld>
             <a:endParaRPr lang="en-US"/>
           </a:p>
@@ -7934,9 +7934,10 @@
           <a:lstStyle/>
           <a:p>
             <a:r>
-              <a:rPr lang="bs-Latn-BA" dirty="0" smtClean="0"/>
-              <a:t>Štampač</a:t>
-            </a:r>
+              <a:rPr lang="bs-Latn-BA" dirty="0"/>
+              <a:t>Microphone</a:t>
+            </a:r>
+            <a:endParaRPr lang="bs-Latn-BA" dirty="0" smtClean="0"/>
           </a:p>
         </p:txBody>
       </p:sp>
@@ -8041,10 +8042,37 @@
           </a:stretch>
         </p:blipFill>
         <p:spPr>
-          <a:xfrm rot="944540">
-            <a:off x="5105400" y="915214"/>
-            <a:ext cx="5715000" cy="5260206"/>
+          <a:xfrm>
+            <a:off x="3206839" y="198121"/>
+            <a:ext cx="8152327" cy="6245159"/>
           </a:xfrm>
+          <a:prstGeom prst="roundRect">
+            <a:avLst>
+              <a:gd name="adj" fmla="val 16667"/>
+            </a:avLst>
+          </a:prstGeom>
+          <a:ln>
+            <a:noFill/>
+          </a:ln>
+          <a:effectLst>
+            <a:outerShdw blurRad="152400" dist="12000" dir="900000" sy="98000" kx="110000" ky="200000" algn="tl" rotWithShape="0">
+              <a:srgbClr val="000000">
+                <a:alpha val="30000"/>
+              </a:srgbClr>
+            </a:outerShdw>
+          </a:effectLst>
+          <a:scene3d>
+            <a:camera prst="perspectiveRelaxed">
+              <a:rot lat="19800000" lon="1200000" rev="20820000"/>
+            </a:camera>
+            <a:lightRig rig="threePt" dir="t"/>
+          </a:scene3d>
+          <a:sp3d contourW="6350" prstMaterial="matte">
+            <a:bevelT w="101600" h="101600"/>
+            <a:contourClr>
+              <a:srgbClr val="969696"/>
+            </a:contourClr>
+          </a:sp3d>
         </p:spPr>
       </p:pic>
     </p:spTree>
